--- a/Архітектурні патерни.pptx
+++ b/Архітектурні патерни.pptx
@@ -116,6 +116,11 @@
       </a:defRPr>
     </a:lvl9pPr>
   </p:defaultTextStyle>
+  <p:extLst>
+    <p:ext uri="{EFAFB233-063F-42B5-8137-9DF3F51BA10A}">
+      <p15:sldGuideLst xmlns:p15="http://schemas.microsoft.com/office/powerpoint/2012/main"/>
+    </p:ext>
+  </p:extLst>
 </p:presentation>
 </file>
 
@@ -3534,6 +3539,18 @@
               <a:rPr lang="uk-UA" dirty="0"/>
               <a:t>доцент Андрій Креневич</a:t>
             </a:r>
+          </a:p>
+          <a:p>
+            <a:endParaRPr lang="uk-UA" dirty="0"/>
+          </a:p>
+          <a:p>
+            <a:r>
+              <a:rPr lang="en-US" dirty="0">
+                <a:hlinkClick r:id="rId2"/>
+              </a:rPr>
+              <a:t>https://github.com/krenevych/KickOffToDesignPatterns</a:t>
+            </a:r>
+            <a:endParaRPr lang="uk-UA" dirty="0"/>
           </a:p>
         </p:txBody>
       </p:sp>

--- a/Архітектурні патерни.pptx
+++ b/Архітектурні патерни.pptx
@@ -6445,14 +6445,19 @@
             <p:ph type="title"/>
           </p:nvPr>
         </p:nvSpPr>
-        <p:spPr/>
+        <p:spPr>
+          <a:xfrm>
+            <a:off x="838200" y="365125"/>
+            <a:ext cx="11117824" cy="1325563"/>
+          </a:xfrm>
+        </p:spPr>
         <p:txBody>
           <a:bodyPr/>
           <a:lstStyle/>
           <a:p>
             <a:r>
               <a:rPr lang="uk-UA" dirty="0"/>
-              <a:t>Подальше асортименту товарів у магазині</a:t>
+              <a:t>Розширення асортименту товарів у магазині</a:t>
             </a:r>
           </a:p>
         </p:txBody>
